--- a/Slides/WPF and XAML/5.0 - Resources and Styles.pptx
+++ b/Slides/WPF and XAML/5.0 - Resources and Styles.pptx
@@ -253,7 +253,7 @@
           <a:p>
             <a:fld id="{A254CC92-A4AB-4748-8201-8CC8FC025F54}" type="datetimeFigureOut">
               <a:rPr lang="en-US" smtClean="0"/>
-              <a:t>2/1/2015</a:t>
+              <a:t>2/2/2015</a:t>
             </a:fld>
             <a:endParaRPr lang="en-US"/>
           </a:p>
@@ -423,7 +423,7 @@
           <a:p>
             <a:fld id="{A254CC92-A4AB-4748-8201-8CC8FC025F54}" type="datetimeFigureOut">
               <a:rPr lang="en-US" smtClean="0"/>
-              <a:t>2/1/2015</a:t>
+              <a:t>2/2/2015</a:t>
             </a:fld>
             <a:endParaRPr lang="en-US"/>
           </a:p>
@@ -603,7 +603,7 @@
           <a:p>
             <a:fld id="{A254CC92-A4AB-4748-8201-8CC8FC025F54}" type="datetimeFigureOut">
               <a:rPr lang="en-US" smtClean="0"/>
-              <a:t>2/1/2015</a:t>
+              <a:t>2/2/2015</a:t>
             </a:fld>
             <a:endParaRPr lang="en-US"/>
           </a:p>
@@ -773,7 +773,7 @@
           <a:p>
             <a:fld id="{A254CC92-A4AB-4748-8201-8CC8FC025F54}" type="datetimeFigureOut">
               <a:rPr lang="en-US" smtClean="0"/>
-              <a:t>2/1/2015</a:t>
+              <a:t>2/2/2015</a:t>
             </a:fld>
             <a:endParaRPr lang="en-US"/>
           </a:p>
@@ -1017,7 +1017,7 @@
           <a:p>
             <a:fld id="{A254CC92-A4AB-4748-8201-8CC8FC025F54}" type="datetimeFigureOut">
               <a:rPr lang="en-US" smtClean="0"/>
-              <a:t>2/1/2015</a:t>
+              <a:t>2/2/2015</a:t>
             </a:fld>
             <a:endParaRPr lang="en-US"/>
           </a:p>
@@ -1249,7 +1249,7 @@
           <a:p>
             <a:fld id="{A254CC92-A4AB-4748-8201-8CC8FC025F54}" type="datetimeFigureOut">
               <a:rPr lang="en-US" smtClean="0"/>
-              <a:t>2/1/2015</a:t>
+              <a:t>2/2/2015</a:t>
             </a:fld>
             <a:endParaRPr lang="en-US"/>
           </a:p>
@@ -1616,7 +1616,7 @@
           <a:p>
             <a:fld id="{A254CC92-A4AB-4748-8201-8CC8FC025F54}" type="datetimeFigureOut">
               <a:rPr lang="en-US" smtClean="0"/>
-              <a:t>2/1/2015</a:t>
+              <a:t>2/2/2015</a:t>
             </a:fld>
             <a:endParaRPr lang="en-US"/>
           </a:p>
@@ -1734,7 +1734,7 @@
           <a:p>
             <a:fld id="{A254CC92-A4AB-4748-8201-8CC8FC025F54}" type="datetimeFigureOut">
               <a:rPr lang="en-US" smtClean="0"/>
-              <a:t>2/1/2015</a:t>
+              <a:t>2/2/2015</a:t>
             </a:fld>
             <a:endParaRPr lang="en-US"/>
           </a:p>
@@ -1829,7 +1829,7 @@
           <a:p>
             <a:fld id="{A254CC92-A4AB-4748-8201-8CC8FC025F54}" type="datetimeFigureOut">
               <a:rPr lang="en-US" smtClean="0"/>
-              <a:t>2/1/2015</a:t>
+              <a:t>2/2/2015</a:t>
             </a:fld>
             <a:endParaRPr lang="en-US"/>
           </a:p>
@@ -2106,7 +2106,7 @@
           <a:p>
             <a:fld id="{A254CC92-A4AB-4748-8201-8CC8FC025F54}" type="datetimeFigureOut">
               <a:rPr lang="en-US" smtClean="0"/>
-              <a:t>2/1/2015</a:t>
+              <a:t>2/2/2015</a:t>
             </a:fld>
             <a:endParaRPr lang="en-US"/>
           </a:p>
@@ -2363,7 +2363,7 @@
           <a:p>
             <a:fld id="{A254CC92-A4AB-4748-8201-8CC8FC025F54}" type="datetimeFigureOut">
               <a:rPr lang="en-US" smtClean="0"/>
-              <a:t>2/1/2015</a:t>
+              <a:t>2/2/2015</a:t>
             </a:fld>
             <a:endParaRPr lang="en-US"/>
           </a:p>
@@ -2576,7 +2576,7 @@
           <a:p>
             <a:fld id="{A254CC92-A4AB-4748-8201-8CC8FC025F54}" type="datetimeFigureOut">
               <a:rPr lang="en-US" smtClean="0"/>
-              <a:t>2/1/2015</a:t>
+              <a:t>2/2/2015</a:t>
             </a:fld>
             <a:endParaRPr lang="en-US"/>
           </a:p>
@@ -3063,6 +3063,13 @@
   <p:clrMapOvr>
     <a:masterClrMapping/>
   </p:clrMapOvr>
+  <p:timing>
+    <p:tnLst>
+      <p:par>
+        <p:cTn id="1" dur="indefinite" restart="never" nodeType="tmRoot"/>
+      </p:par>
+    </p:tnLst>
+  </p:timing>
 </p:sld>
 </file>
 
@@ -3160,6 +3167,13 @@
   <p:clrMapOvr>
     <a:masterClrMapping/>
   </p:clrMapOvr>
+  <p:timing>
+    <p:tnLst>
+      <p:par>
+        <p:cTn id="1" dur="indefinite" restart="never" nodeType="tmRoot"/>
+      </p:par>
+    </p:tnLst>
+  </p:timing>
 </p:sld>
 </file>
 
@@ -3236,6 +3250,13 @@
   <p:clrMapOvr>
     <a:masterClrMapping/>
   </p:clrMapOvr>
+  <p:timing>
+    <p:tnLst>
+      <p:par>
+        <p:cTn id="1" dur="indefinite" restart="never" nodeType="tmRoot"/>
+      </p:par>
+    </p:tnLst>
+  </p:timing>
 </p:sld>
 </file>
 
@@ -3318,6 +3339,13 @@
   <p:clrMapOvr>
     <a:masterClrMapping/>
   </p:clrMapOvr>
+  <p:timing>
+    <p:tnLst>
+      <p:par>
+        <p:cTn id="1" dur="indefinite" restart="never" nodeType="tmRoot"/>
+      </p:par>
+    </p:tnLst>
+  </p:timing>
 </p:sld>
 </file>
 
@@ -4638,6 +4666,13 @@
   <p:clrMapOvr>
     <a:masterClrMapping/>
   </p:clrMapOvr>
+  <p:timing>
+    <p:tnLst>
+      <p:par>
+        <p:cTn id="1" dur="indefinite" restart="never" nodeType="tmRoot"/>
+      </p:par>
+    </p:tnLst>
+  </p:timing>
 </p:sld>
 </file>
 
@@ -4726,6 +4761,13 @@
   <p:clrMapOvr>
     <a:masterClrMapping/>
   </p:clrMapOvr>
+  <p:timing>
+    <p:tnLst>
+      <p:par>
+        <p:cTn id="1" dur="indefinite" restart="never" nodeType="tmRoot"/>
+      </p:par>
+    </p:tnLst>
+  </p:timing>
 </p:sld>
 </file>
 
@@ -6013,6 +6055,13 @@
   <p:clrMapOvr>
     <a:masterClrMapping/>
   </p:clrMapOvr>
+  <p:timing>
+    <p:tnLst>
+      <p:par>
+        <p:cTn id="1" dur="indefinite" restart="never" nodeType="tmRoot"/>
+      </p:par>
+    </p:tnLst>
+  </p:timing>
 </p:sld>
 </file>
 
@@ -7832,6 +7881,13 @@
   <p:clrMapOvr>
     <a:masterClrMapping/>
   </p:clrMapOvr>
+  <p:timing>
+    <p:tnLst>
+      <p:par>
+        <p:cTn id="1" dur="indefinite" restart="never" nodeType="tmRoot"/>
+      </p:par>
+    </p:tnLst>
+  </p:timing>
 </p:sld>
 </file>
 
@@ -10045,6 +10101,13 @@
   <p:clrMapOvr>
     <a:masterClrMapping/>
   </p:clrMapOvr>
+  <p:timing>
+    <p:tnLst>
+      <p:par>
+        <p:cTn id="1" dur="indefinite" restart="never" nodeType="tmRoot"/>
+      </p:par>
+    </p:tnLst>
+  </p:timing>
 </p:sld>
 </file>
 
@@ -10937,6 +11000,13 @@
   <p:clrMapOvr>
     <a:masterClrMapping/>
   </p:clrMapOvr>
+  <p:timing>
+    <p:tnLst>
+      <p:par>
+        <p:cTn id="1" dur="indefinite" restart="never" nodeType="tmRoot"/>
+      </p:par>
+    </p:tnLst>
+  </p:timing>
 </p:sld>
 </file>
 
@@ -11074,7 +11144,7 @@
         </p:blipFill>
         <p:spPr>
           <a:xfrm>
-            <a:off x="1219200" y="3690937"/>
+            <a:off x="948613" y="4176128"/>
             <a:ext cx="6419850" cy="809625"/>
           </a:xfrm>
           <a:prstGeom prst="rect">
@@ -11092,6 +11162,13 @@
   <p:clrMapOvr>
     <a:masterClrMapping/>
   </p:clrMapOvr>
+  <p:timing>
+    <p:tnLst>
+      <p:par>
+        <p:cTn id="1" dur="indefinite" restart="never" nodeType="tmRoot"/>
+      </p:par>
+    </p:tnLst>
+  </p:timing>
 </p:sld>
 </file>
 
